--- a/高斯槍.pptx
+++ b/高斯槍.pptx
@@ -14,7 +14,8 @@
     <p:sldId id="264" r:id="rId8"/>
     <p:sldId id="265" r:id="rId9"/>
     <p:sldId id="263" r:id="rId10"/>
-    <p:sldId id="260" r:id="rId11"/>
+    <p:sldId id="266" r:id="rId11"/>
+    <p:sldId id="260" r:id="rId12"/>
   </p:sldIdLst>
   <p:sldSz cx="9144000" cy="6858000" type="screen4x3"/>
   <p:notesSz cx="6858000" cy="9144000"/>
@@ -113,6 +114,22 @@
       </a:defRPr>
     </a:lvl9pPr>
   </p:defaultTextStyle>
+  <p:extLst>
+    <p:ext uri="{EFAFB233-063F-42B5-8137-9DF3F51BA10A}">
+      <p15:sldGuideLst xmlns:p15="http://schemas.microsoft.com/office/powerpoint/2012/main">
+        <p15:guide id="1" orient="horz" pos="2160">
+          <p15:clr>
+            <a:srgbClr val="A4A3A4"/>
+          </p15:clr>
+        </p15:guide>
+        <p15:guide id="2" pos="2880">
+          <p15:clr>
+            <a:srgbClr val="A4A3A4"/>
+          </p15:clr>
+        </p15:guide>
+      </p15:sldGuideLst>
+    </p:ext>
+  </p:extLst>
 </p:presentation>
 </file>
 
@@ -164,10 +181,9 @@
           </a:lstStyle>
           <a:p>
             <a:r>
-              <a:rPr lang="zh-TW" altLang="en-US" smtClean="0"/>
+              <a:rPr lang="zh-TW" altLang="en-US"/>
               <a:t>按一下以編輯母片標題樣式</a:t>
             </a:r>
-            <a:endParaRPr lang="zh-TW" altLang="en-US"/>
           </a:p>
         </p:txBody>
       </p:sp>
@@ -283,10 +299,9 @@
           </a:lstStyle>
           <a:p>
             <a:r>
-              <a:rPr lang="zh-TW" altLang="en-US" smtClean="0"/>
+              <a:rPr lang="zh-TW" altLang="en-US"/>
               <a:t>按一下以編輯母片副標題樣式</a:t>
             </a:r>
-            <a:endParaRPr lang="zh-TW" altLang="en-US"/>
           </a:p>
         </p:txBody>
       </p:sp>
@@ -307,7 +322,7 @@
           <a:p>
             <a:fld id="{493A5B60-745D-4A48-A358-39CEE3EDA11E}" type="datetimeFigureOut">
               <a:rPr lang="zh-TW" altLang="en-US" smtClean="0"/>
-              <a:t>2020/7/1/Wednesday</a:t>
+              <a:t>2020/7/8</a:t>
             </a:fld>
             <a:endParaRPr lang="zh-TW" altLang="en-US"/>
           </a:p>
@@ -401,10 +416,9 @@
           <a:lstStyle/>
           <a:p>
             <a:r>
-              <a:rPr lang="zh-TW" altLang="en-US" smtClean="0"/>
+              <a:rPr lang="zh-TW" altLang="en-US"/>
               <a:t>按一下以編輯母片標題樣式</a:t>
             </a:r>
-            <a:endParaRPr lang="zh-TW" altLang="en-US"/>
           </a:p>
         </p:txBody>
       </p:sp>
@@ -425,38 +439,37 @@
           <a:p>
             <a:pPr lvl="0"/>
             <a:r>
-              <a:rPr lang="zh-TW" altLang="en-US" smtClean="0"/>
+              <a:rPr lang="zh-TW" altLang="en-US"/>
               <a:t>按一下以編輯母片文字樣式</a:t>
             </a:r>
           </a:p>
           <a:p>
             <a:pPr lvl="1"/>
             <a:r>
-              <a:rPr lang="zh-TW" altLang="en-US" smtClean="0"/>
+              <a:rPr lang="zh-TW" altLang="en-US"/>
               <a:t>第二層</a:t>
             </a:r>
           </a:p>
           <a:p>
             <a:pPr lvl="2"/>
             <a:r>
-              <a:rPr lang="zh-TW" altLang="en-US" smtClean="0"/>
+              <a:rPr lang="zh-TW" altLang="en-US"/>
               <a:t>第三層</a:t>
             </a:r>
           </a:p>
           <a:p>
             <a:pPr lvl="3"/>
             <a:r>
-              <a:rPr lang="zh-TW" altLang="en-US" smtClean="0"/>
+              <a:rPr lang="zh-TW" altLang="en-US"/>
               <a:t>第四層</a:t>
             </a:r>
           </a:p>
           <a:p>
             <a:pPr lvl="4"/>
             <a:r>
-              <a:rPr lang="zh-TW" altLang="en-US" smtClean="0"/>
+              <a:rPr lang="zh-TW" altLang="en-US"/>
               <a:t>第五層</a:t>
             </a:r>
-            <a:endParaRPr lang="zh-TW" altLang="en-US"/>
           </a:p>
         </p:txBody>
       </p:sp>
@@ -477,7 +490,7 @@
           <a:p>
             <a:fld id="{493A5B60-745D-4A48-A358-39CEE3EDA11E}" type="datetimeFigureOut">
               <a:rPr lang="zh-TW" altLang="en-US" smtClean="0"/>
-              <a:t>2020/7/1/Wednesday</a:t>
+              <a:t>2020/7/8</a:t>
             </a:fld>
             <a:endParaRPr lang="zh-TW" altLang="en-US"/>
           </a:p>
@@ -576,10 +589,9 @@
           <a:lstStyle/>
           <a:p>
             <a:r>
-              <a:rPr lang="zh-TW" altLang="en-US" smtClean="0"/>
+              <a:rPr lang="zh-TW" altLang="en-US"/>
               <a:t>按一下以編輯母片標題樣式</a:t>
             </a:r>
-            <a:endParaRPr lang="zh-TW" altLang="en-US"/>
           </a:p>
         </p:txBody>
       </p:sp>
@@ -605,38 +617,37 @@
           <a:p>
             <a:pPr lvl="0"/>
             <a:r>
-              <a:rPr lang="zh-TW" altLang="en-US" smtClean="0"/>
+              <a:rPr lang="zh-TW" altLang="en-US"/>
               <a:t>按一下以編輯母片文字樣式</a:t>
             </a:r>
           </a:p>
           <a:p>
             <a:pPr lvl="1"/>
             <a:r>
-              <a:rPr lang="zh-TW" altLang="en-US" smtClean="0"/>
+              <a:rPr lang="zh-TW" altLang="en-US"/>
               <a:t>第二層</a:t>
             </a:r>
           </a:p>
           <a:p>
             <a:pPr lvl="2"/>
             <a:r>
-              <a:rPr lang="zh-TW" altLang="en-US" smtClean="0"/>
+              <a:rPr lang="zh-TW" altLang="en-US"/>
               <a:t>第三層</a:t>
             </a:r>
           </a:p>
           <a:p>
             <a:pPr lvl="3"/>
             <a:r>
-              <a:rPr lang="zh-TW" altLang="en-US" smtClean="0"/>
+              <a:rPr lang="zh-TW" altLang="en-US"/>
               <a:t>第四層</a:t>
             </a:r>
           </a:p>
           <a:p>
             <a:pPr lvl="4"/>
             <a:r>
-              <a:rPr lang="zh-TW" altLang="en-US" smtClean="0"/>
+              <a:rPr lang="zh-TW" altLang="en-US"/>
               <a:t>第五層</a:t>
             </a:r>
-            <a:endParaRPr lang="zh-TW" altLang="en-US"/>
           </a:p>
         </p:txBody>
       </p:sp>
@@ -657,7 +668,7 @@
           <a:p>
             <a:fld id="{493A5B60-745D-4A48-A358-39CEE3EDA11E}" type="datetimeFigureOut">
               <a:rPr lang="zh-TW" altLang="en-US" smtClean="0"/>
-              <a:t>2020/7/1/Wednesday</a:t>
+              <a:t>2020/7/8</a:t>
             </a:fld>
             <a:endParaRPr lang="zh-TW" altLang="en-US"/>
           </a:p>
@@ -751,10 +762,9 @@
           <a:lstStyle/>
           <a:p>
             <a:r>
-              <a:rPr lang="zh-TW" altLang="en-US" smtClean="0"/>
+              <a:rPr lang="zh-TW" altLang="en-US"/>
               <a:t>按一下以編輯母片標題樣式</a:t>
             </a:r>
-            <a:endParaRPr lang="zh-TW" altLang="en-US"/>
           </a:p>
         </p:txBody>
       </p:sp>
@@ -775,38 +785,37 @@
           <a:p>
             <a:pPr lvl="0"/>
             <a:r>
-              <a:rPr lang="zh-TW" altLang="en-US" smtClean="0"/>
+              <a:rPr lang="zh-TW" altLang="en-US"/>
               <a:t>按一下以編輯母片文字樣式</a:t>
             </a:r>
           </a:p>
           <a:p>
             <a:pPr lvl="1"/>
             <a:r>
-              <a:rPr lang="zh-TW" altLang="en-US" smtClean="0"/>
+              <a:rPr lang="zh-TW" altLang="en-US"/>
               <a:t>第二層</a:t>
             </a:r>
           </a:p>
           <a:p>
             <a:pPr lvl="2"/>
             <a:r>
-              <a:rPr lang="zh-TW" altLang="en-US" smtClean="0"/>
+              <a:rPr lang="zh-TW" altLang="en-US"/>
               <a:t>第三層</a:t>
             </a:r>
           </a:p>
           <a:p>
             <a:pPr lvl="3"/>
             <a:r>
-              <a:rPr lang="zh-TW" altLang="en-US" smtClean="0"/>
+              <a:rPr lang="zh-TW" altLang="en-US"/>
               <a:t>第四層</a:t>
             </a:r>
           </a:p>
           <a:p>
             <a:pPr lvl="4"/>
             <a:r>
-              <a:rPr lang="zh-TW" altLang="en-US" smtClean="0"/>
+              <a:rPr lang="zh-TW" altLang="en-US"/>
               <a:t>第五層</a:t>
             </a:r>
-            <a:endParaRPr lang="zh-TW" altLang="en-US"/>
           </a:p>
         </p:txBody>
       </p:sp>
@@ -827,7 +836,7 @@
           <a:p>
             <a:fld id="{493A5B60-745D-4A48-A358-39CEE3EDA11E}" type="datetimeFigureOut">
               <a:rPr lang="zh-TW" altLang="en-US" smtClean="0"/>
-              <a:t>2020/7/1/Wednesday</a:t>
+              <a:t>2020/7/8</a:t>
             </a:fld>
             <a:endParaRPr lang="zh-TW" altLang="en-US"/>
           </a:p>
@@ -930,10 +939,9 @@
           </a:lstStyle>
           <a:p>
             <a:r>
-              <a:rPr lang="zh-TW" altLang="en-US" smtClean="0"/>
+              <a:rPr lang="zh-TW" altLang="en-US"/>
               <a:t>按一下以編輯母片標題樣式</a:t>
             </a:r>
-            <a:endParaRPr lang="zh-TW" altLang="en-US"/>
           </a:p>
         </p:txBody>
       </p:sp>
@@ -1050,7 +1058,7 @@
           <a:p>
             <a:pPr lvl="0"/>
             <a:r>
-              <a:rPr lang="zh-TW" altLang="en-US" smtClean="0"/>
+              <a:rPr lang="zh-TW" altLang="en-US"/>
               <a:t>按一下以編輯母片文字樣式</a:t>
             </a:r>
           </a:p>
@@ -1073,7 +1081,7 @@
           <a:p>
             <a:fld id="{493A5B60-745D-4A48-A358-39CEE3EDA11E}" type="datetimeFigureOut">
               <a:rPr lang="zh-TW" altLang="en-US" smtClean="0"/>
-              <a:t>2020/7/1/Wednesday</a:t>
+              <a:t>2020/7/8</a:t>
             </a:fld>
             <a:endParaRPr lang="zh-TW" altLang="en-US"/>
           </a:p>
@@ -1167,10 +1175,9 @@
           <a:lstStyle/>
           <a:p>
             <a:r>
-              <a:rPr lang="zh-TW" altLang="en-US" smtClean="0"/>
+              <a:rPr lang="zh-TW" altLang="en-US"/>
               <a:t>按一下以編輯母片標題樣式</a:t>
             </a:r>
-            <a:endParaRPr lang="zh-TW" altLang="en-US"/>
           </a:p>
         </p:txBody>
       </p:sp>
@@ -1224,38 +1231,37 @@
           <a:p>
             <a:pPr lvl="0"/>
             <a:r>
-              <a:rPr lang="zh-TW" altLang="en-US" smtClean="0"/>
+              <a:rPr lang="zh-TW" altLang="en-US"/>
               <a:t>按一下以編輯母片文字樣式</a:t>
             </a:r>
           </a:p>
           <a:p>
             <a:pPr lvl="1"/>
             <a:r>
-              <a:rPr lang="zh-TW" altLang="en-US" smtClean="0"/>
+              <a:rPr lang="zh-TW" altLang="en-US"/>
               <a:t>第二層</a:t>
             </a:r>
           </a:p>
           <a:p>
             <a:pPr lvl="2"/>
             <a:r>
-              <a:rPr lang="zh-TW" altLang="en-US" smtClean="0"/>
+              <a:rPr lang="zh-TW" altLang="en-US"/>
               <a:t>第三層</a:t>
             </a:r>
           </a:p>
           <a:p>
             <a:pPr lvl="3"/>
             <a:r>
-              <a:rPr lang="zh-TW" altLang="en-US" smtClean="0"/>
+              <a:rPr lang="zh-TW" altLang="en-US"/>
               <a:t>第四層</a:t>
             </a:r>
           </a:p>
           <a:p>
             <a:pPr lvl="4"/>
             <a:r>
-              <a:rPr lang="zh-TW" altLang="en-US" smtClean="0"/>
+              <a:rPr lang="zh-TW" altLang="en-US"/>
               <a:t>第五層</a:t>
             </a:r>
-            <a:endParaRPr lang="zh-TW" altLang="en-US"/>
           </a:p>
         </p:txBody>
       </p:sp>
@@ -1309,38 +1315,37 @@
           <a:p>
             <a:pPr lvl="0"/>
             <a:r>
-              <a:rPr lang="zh-TW" altLang="en-US" smtClean="0"/>
+              <a:rPr lang="zh-TW" altLang="en-US"/>
               <a:t>按一下以編輯母片文字樣式</a:t>
             </a:r>
           </a:p>
           <a:p>
             <a:pPr lvl="1"/>
             <a:r>
-              <a:rPr lang="zh-TW" altLang="en-US" smtClean="0"/>
+              <a:rPr lang="zh-TW" altLang="en-US"/>
               <a:t>第二層</a:t>
             </a:r>
           </a:p>
           <a:p>
             <a:pPr lvl="2"/>
             <a:r>
-              <a:rPr lang="zh-TW" altLang="en-US" smtClean="0"/>
+              <a:rPr lang="zh-TW" altLang="en-US"/>
               <a:t>第三層</a:t>
             </a:r>
           </a:p>
           <a:p>
             <a:pPr lvl="3"/>
             <a:r>
-              <a:rPr lang="zh-TW" altLang="en-US" smtClean="0"/>
+              <a:rPr lang="zh-TW" altLang="en-US"/>
               <a:t>第四層</a:t>
             </a:r>
           </a:p>
           <a:p>
             <a:pPr lvl="4"/>
             <a:r>
-              <a:rPr lang="zh-TW" altLang="en-US" smtClean="0"/>
+              <a:rPr lang="zh-TW" altLang="en-US"/>
               <a:t>第五層</a:t>
             </a:r>
-            <a:endParaRPr lang="zh-TW" altLang="en-US"/>
           </a:p>
         </p:txBody>
       </p:sp>
@@ -1361,7 +1366,7 @@
           <a:p>
             <a:fld id="{493A5B60-745D-4A48-A358-39CEE3EDA11E}" type="datetimeFigureOut">
               <a:rPr lang="zh-TW" altLang="en-US" smtClean="0"/>
-              <a:t>2020/7/1/Wednesday</a:t>
+              <a:t>2020/7/8</a:t>
             </a:fld>
             <a:endParaRPr lang="zh-TW" altLang="en-US"/>
           </a:p>
@@ -1459,10 +1464,9 @@
           </a:lstStyle>
           <a:p>
             <a:r>
-              <a:rPr lang="zh-TW" altLang="en-US" smtClean="0"/>
+              <a:rPr lang="zh-TW" altLang="en-US"/>
               <a:t>按一下以編輯母片標題樣式</a:t>
             </a:r>
-            <a:endParaRPr lang="zh-TW" altLang="en-US"/>
           </a:p>
         </p:txBody>
       </p:sp>
@@ -1525,7 +1529,7 @@
           <a:p>
             <a:pPr lvl="0"/>
             <a:r>
-              <a:rPr lang="zh-TW" altLang="en-US" smtClean="0"/>
+              <a:rPr lang="zh-TW" altLang="en-US"/>
               <a:t>按一下以編輯母片文字樣式</a:t>
             </a:r>
           </a:p>
@@ -1581,38 +1585,37 @@
           <a:p>
             <a:pPr lvl="0"/>
             <a:r>
-              <a:rPr lang="zh-TW" altLang="en-US" smtClean="0"/>
+              <a:rPr lang="zh-TW" altLang="en-US"/>
               <a:t>按一下以編輯母片文字樣式</a:t>
             </a:r>
           </a:p>
           <a:p>
             <a:pPr lvl="1"/>
             <a:r>
-              <a:rPr lang="zh-TW" altLang="en-US" smtClean="0"/>
+              <a:rPr lang="zh-TW" altLang="en-US"/>
               <a:t>第二層</a:t>
             </a:r>
           </a:p>
           <a:p>
             <a:pPr lvl="2"/>
             <a:r>
-              <a:rPr lang="zh-TW" altLang="en-US" smtClean="0"/>
+              <a:rPr lang="zh-TW" altLang="en-US"/>
               <a:t>第三層</a:t>
             </a:r>
           </a:p>
           <a:p>
             <a:pPr lvl="3"/>
             <a:r>
-              <a:rPr lang="zh-TW" altLang="en-US" smtClean="0"/>
+              <a:rPr lang="zh-TW" altLang="en-US"/>
               <a:t>第四層</a:t>
             </a:r>
           </a:p>
           <a:p>
             <a:pPr lvl="4"/>
             <a:r>
-              <a:rPr lang="zh-TW" altLang="en-US" smtClean="0"/>
+              <a:rPr lang="zh-TW" altLang="en-US"/>
               <a:t>第五層</a:t>
             </a:r>
-            <a:endParaRPr lang="zh-TW" altLang="en-US"/>
           </a:p>
         </p:txBody>
       </p:sp>
@@ -1675,7 +1678,7 @@
           <a:p>
             <a:pPr lvl="0"/>
             <a:r>
-              <a:rPr lang="zh-TW" altLang="en-US" smtClean="0"/>
+              <a:rPr lang="zh-TW" altLang="en-US"/>
               <a:t>按一下以編輯母片文字樣式</a:t>
             </a:r>
           </a:p>
@@ -1731,38 +1734,37 @@
           <a:p>
             <a:pPr lvl="0"/>
             <a:r>
-              <a:rPr lang="zh-TW" altLang="en-US" smtClean="0"/>
+              <a:rPr lang="zh-TW" altLang="en-US"/>
               <a:t>按一下以編輯母片文字樣式</a:t>
             </a:r>
           </a:p>
           <a:p>
             <a:pPr lvl="1"/>
             <a:r>
-              <a:rPr lang="zh-TW" altLang="en-US" smtClean="0"/>
+              <a:rPr lang="zh-TW" altLang="en-US"/>
               <a:t>第二層</a:t>
             </a:r>
           </a:p>
           <a:p>
             <a:pPr lvl="2"/>
             <a:r>
-              <a:rPr lang="zh-TW" altLang="en-US" smtClean="0"/>
+              <a:rPr lang="zh-TW" altLang="en-US"/>
               <a:t>第三層</a:t>
             </a:r>
           </a:p>
           <a:p>
             <a:pPr lvl="3"/>
             <a:r>
-              <a:rPr lang="zh-TW" altLang="en-US" smtClean="0"/>
+              <a:rPr lang="zh-TW" altLang="en-US"/>
               <a:t>第四層</a:t>
             </a:r>
           </a:p>
           <a:p>
             <a:pPr lvl="4"/>
             <a:r>
-              <a:rPr lang="zh-TW" altLang="en-US" smtClean="0"/>
+              <a:rPr lang="zh-TW" altLang="en-US"/>
               <a:t>第五層</a:t>
             </a:r>
-            <a:endParaRPr lang="zh-TW" altLang="en-US"/>
           </a:p>
         </p:txBody>
       </p:sp>
@@ -1783,7 +1785,7 @@
           <a:p>
             <a:fld id="{493A5B60-745D-4A48-A358-39CEE3EDA11E}" type="datetimeFigureOut">
               <a:rPr lang="zh-TW" altLang="en-US" smtClean="0"/>
-              <a:t>2020/7/1/Wednesday</a:t>
+              <a:t>2020/7/8</a:t>
             </a:fld>
             <a:endParaRPr lang="zh-TW" altLang="en-US"/>
           </a:p>
@@ -1877,10 +1879,9 @@
           <a:lstStyle/>
           <a:p>
             <a:r>
-              <a:rPr lang="zh-TW" altLang="en-US" smtClean="0"/>
+              <a:rPr lang="zh-TW" altLang="en-US"/>
               <a:t>按一下以編輯母片標題樣式</a:t>
             </a:r>
-            <a:endParaRPr lang="zh-TW" altLang="en-US"/>
           </a:p>
         </p:txBody>
       </p:sp>
@@ -1901,7 +1902,7 @@
           <a:p>
             <a:fld id="{493A5B60-745D-4A48-A358-39CEE3EDA11E}" type="datetimeFigureOut">
               <a:rPr lang="zh-TW" altLang="en-US" smtClean="0"/>
-              <a:t>2020/7/1/Wednesday</a:t>
+              <a:t>2020/7/8</a:t>
             </a:fld>
             <a:endParaRPr lang="zh-TW" altLang="en-US"/>
           </a:p>
@@ -1996,7 +1997,7 @@
           <a:p>
             <a:fld id="{493A5B60-745D-4A48-A358-39CEE3EDA11E}" type="datetimeFigureOut">
               <a:rPr lang="zh-TW" altLang="en-US" smtClean="0"/>
-              <a:t>2020/7/1/Wednesday</a:t>
+              <a:t>2020/7/8</a:t>
             </a:fld>
             <a:endParaRPr lang="zh-TW" altLang="en-US"/>
           </a:p>
@@ -2099,10 +2100,9 @@
           </a:lstStyle>
           <a:p>
             <a:r>
-              <a:rPr lang="zh-TW" altLang="en-US" smtClean="0"/>
+              <a:rPr lang="zh-TW" altLang="en-US"/>
               <a:t>按一下以編輯母片標題樣式</a:t>
             </a:r>
-            <a:endParaRPr lang="zh-TW" altLang="en-US"/>
           </a:p>
         </p:txBody>
       </p:sp>
@@ -2156,38 +2156,37 @@
           <a:p>
             <a:pPr lvl="0"/>
             <a:r>
-              <a:rPr lang="zh-TW" altLang="en-US" smtClean="0"/>
+              <a:rPr lang="zh-TW" altLang="en-US"/>
               <a:t>按一下以編輯母片文字樣式</a:t>
             </a:r>
           </a:p>
           <a:p>
             <a:pPr lvl="1"/>
             <a:r>
-              <a:rPr lang="zh-TW" altLang="en-US" smtClean="0"/>
+              <a:rPr lang="zh-TW" altLang="en-US"/>
               <a:t>第二層</a:t>
             </a:r>
           </a:p>
           <a:p>
             <a:pPr lvl="2"/>
             <a:r>
-              <a:rPr lang="zh-TW" altLang="en-US" smtClean="0"/>
+              <a:rPr lang="zh-TW" altLang="en-US"/>
               <a:t>第三層</a:t>
             </a:r>
           </a:p>
           <a:p>
             <a:pPr lvl="3"/>
             <a:r>
-              <a:rPr lang="zh-TW" altLang="en-US" smtClean="0"/>
+              <a:rPr lang="zh-TW" altLang="en-US"/>
               <a:t>第四層</a:t>
             </a:r>
           </a:p>
           <a:p>
             <a:pPr lvl="4"/>
             <a:r>
-              <a:rPr lang="zh-TW" altLang="en-US" smtClean="0"/>
+              <a:rPr lang="zh-TW" altLang="en-US"/>
               <a:t>第五層</a:t>
             </a:r>
-            <a:endParaRPr lang="zh-TW" altLang="en-US"/>
           </a:p>
         </p:txBody>
       </p:sp>
@@ -2250,7 +2249,7 @@
           <a:p>
             <a:pPr lvl="0"/>
             <a:r>
-              <a:rPr lang="zh-TW" altLang="en-US" smtClean="0"/>
+              <a:rPr lang="zh-TW" altLang="en-US"/>
               <a:t>按一下以編輯母片文字樣式</a:t>
             </a:r>
           </a:p>
@@ -2273,7 +2272,7 @@
           <a:p>
             <a:fld id="{493A5B60-745D-4A48-A358-39CEE3EDA11E}" type="datetimeFigureOut">
               <a:rPr lang="zh-TW" altLang="en-US" smtClean="0"/>
-              <a:t>2020/7/1/Wednesday</a:t>
+              <a:t>2020/7/8</a:t>
             </a:fld>
             <a:endParaRPr lang="zh-TW" altLang="en-US"/>
           </a:p>
@@ -2376,10 +2375,9 @@
           </a:lstStyle>
           <a:p>
             <a:r>
-              <a:rPr lang="zh-TW" altLang="en-US" smtClean="0"/>
+              <a:rPr lang="zh-TW" altLang="en-US"/>
               <a:t>按一下以編輯母片標題樣式</a:t>
             </a:r>
-            <a:endParaRPr lang="zh-TW" altLang="en-US"/>
           </a:p>
         </p:txBody>
       </p:sp>
@@ -2503,7 +2501,7 @@
           <a:p>
             <a:pPr lvl="0"/>
             <a:r>
-              <a:rPr lang="zh-TW" altLang="en-US" smtClean="0"/>
+              <a:rPr lang="zh-TW" altLang="en-US"/>
               <a:t>按一下以編輯母片文字樣式</a:t>
             </a:r>
           </a:p>
@@ -2526,7 +2524,7 @@
           <a:p>
             <a:fld id="{493A5B60-745D-4A48-A358-39CEE3EDA11E}" type="datetimeFigureOut">
               <a:rPr lang="zh-TW" altLang="en-US" smtClean="0"/>
-              <a:t>2020/7/1/Wednesday</a:t>
+              <a:t>2020/7/8</a:t>
             </a:fld>
             <a:endParaRPr lang="zh-TW" altLang="en-US"/>
           </a:p>
@@ -2638,10 +2636,9 @@
           <a:lstStyle/>
           <a:p>
             <a:r>
-              <a:rPr lang="zh-TW" altLang="en-US" dirty="0" smtClean="0"/>
+              <a:rPr lang="zh-TW" altLang="en-US" dirty="0"/>
               <a:t>按一下以編輯母片標題樣式</a:t>
             </a:r>
-            <a:endParaRPr lang="zh-TW" altLang="en-US" dirty="0"/>
           </a:p>
         </p:txBody>
       </p:sp>
@@ -2672,38 +2669,37 @@
           <a:p>
             <a:pPr lvl="0"/>
             <a:r>
-              <a:rPr lang="zh-TW" altLang="en-US" dirty="0" smtClean="0"/>
+              <a:rPr lang="zh-TW" altLang="en-US" dirty="0"/>
               <a:t>按一下以編輯母片文字樣式</a:t>
             </a:r>
           </a:p>
           <a:p>
             <a:pPr lvl="1"/>
             <a:r>
-              <a:rPr lang="zh-TW" altLang="en-US" dirty="0" smtClean="0"/>
+              <a:rPr lang="zh-TW" altLang="en-US" dirty="0"/>
               <a:t>第二層</a:t>
             </a:r>
           </a:p>
           <a:p>
             <a:pPr lvl="2"/>
             <a:r>
-              <a:rPr lang="zh-TW" altLang="en-US" dirty="0" smtClean="0"/>
+              <a:rPr lang="zh-TW" altLang="en-US" dirty="0"/>
               <a:t>第三層</a:t>
             </a:r>
           </a:p>
           <a:p>
             <a:pPr lvl="3"/>
             <a:r>
-              <a:rPr lang="zh-TW" altLang="en-US" dirty="0" smtClean="0"/>
+              <a:rPr lang="zh-TW" altLang="en-US" dirty="0"/>
               <a:t>第四層</a:t>
             </a:r>
           </a:p>
           <a:p>
             <a:pPr lvl="4"/>
             <a:r>
-              <a:rPr lang="zh-TW" altLang="en-US" dirty="0" smtClean="0"/>
+              <a:rPr lang="zh-TW" altLang="en-US" dirty="0"/>
               <a:t>第五層</a:t>
             </a:r>
-            <a:endParaRPr lang="zh-TW" altLang="en-US" dirty="0"/>
           </a:p>
         </p:txBody>
       </p:sp>
@@ -2742,7 +2738,7 @@
           <a:p>
             <a:fld id="{493A5B60-745D-4A48-A358-39CEE3EDA11E}" type="datetimeFigureOut">
               <a:rPr lang="zh-TW" altLang="en-US" smtClean="0"/>
-              <a:t>2020/7/1/Wednesday</a:t>
+              <a:t>2020/7/8</a:t>
             </a:fld>
             <a:endParaRPr lang="zh-TW" altLang="en-US"/>
           </a:p>
@@ -3230,18 +3226,13 @@
           <a:lstStyle/>
           <a:p>
             <a:r>
-              <a:rPr lang="zh-TW" altLang="en-US" sz="9600" dirty="0" smtClean="0">
+              <a:rPr lang="zh-TW" altLang="en-US" sz="9600" dirty="0">
                 <a:solidFill>
                   <a:schemeClr val="bg1"/>
                 </a:solidFill>
               </a:rPr>
               <a:t>高斯槍</a:t>
             </a:r>
-            <a:endParaRPr lang="zh-TW" altLang="en-US" sz="9600" dirty="0">
-              <a:solidFill>
-                <a:schemeClr val="bg1"/>
-              </a:solidFill>
-            </a:endParaRPr>
           </a:p>
         </p:txBody>
       </p:sp>
@@ -3268,34 +3259,33 @@
           <a:lstStyle/>
           <a:p>
             <a:r>
-              <a:rPr lang="zh-TW" altLang="en-US" sz="2000" dirty="0" smtClean="0"/>
+              <a:rPr lang="zh-TW" altLang="en-US" sz="2000" dirty="0"/>
               <a:t>第十組</a:t>
             </a:r>
             <a:r>
-              <a:rPr lang="en-US" altLang="zh-TW" sz="2000" dirty="0" smtClean="0"/>
+              <a:rPr lang="en-US" altLang="zh-TW" sz="2000" dirty="0"/>
               <a:t>:12212 </a:t>
             </a:r>
             <a:r>
-              <a:rPr lang="zh-TW" altLang="en-US" sz="2000" dirty="0" smtClean="0"/>
+              <a:rPr lang="zh-TW" altLang="en-US" sz="2000" dirty="0"/>
               <a:t>林致中 </a:t>
             </a:r>
             <a:r>
-              <a:rPr lang="en-US" altLang="zh-TW" sz="2000" dirty="0" smtClean="0"/>
+              <a:rPr lang="en-US" altLang="zh-TW" sz="2000" dirty="0"/>
               <a:t>12213</a:t>
             </a:r>
             <a:r>
-              <a:rPr lang="zh-TW" altLang="en-US" sz="2000" dirty="0" smtClean="0"/>
+              <a:rPr lang="zh-TW" altLang="en-US" sz="2000" dirty="0"/>
               <a:t>林廉興 </a:t>
             </a:r>
             <a:r>
-              <a:rPr lang="en-US" altLang="zh-TW" sz="2000" dirty="0" smtClean="0"/>
+              <a:rPr lang="en-US" altLang="zh-TW" sz="2000" dirty="0"/>
               <a:t>12217 </a:t>
             </a:r>
             <a:r>
-              <a:rPr lang="zh-TW" altLang="en-US" sz="2000" dirty="0" smtClean="0"/>
+              <a:rPr lang="zh-TW" altLang="en-US" sz="2000" dirty="0"/>
               <a:t>徐晧倫</a:t>
             </a:r>
-            <a:endParaRPr lang="zh-TW" altLang="en-US" sz="2000" dirty="0"/>
           </a:p>
         </p:txBody>
       </p:sp>
@@ -3367,13 +3357,6 @@
   <p:clrMapOvr>
     <a:masterClrMapping/>
   </p:clrMapOvr>
-  <p:timing>
-    <p:tnLst>
-      <p:par>
-        <p:cTn id="1" dur="indefinite" restart="never" nodeType="tmRoot"/>
-      </p:par>
-    </p:tnLst>
-  </p:timing>
 </p:sld>
 </file>
 
@@ -3396,6 +3379,95 @@
       </p:grpSpPr>
       <p:sp>
         <p:nvSpPr>
+          <p:cNvPr id="7" name="內容版面配置區 6">
+            <a:extLst>
+              <a:ext uri="{FF2B5EF4-FFF2-40B4-BE49-F238E27FC236}">
+                <a16:creationId xmlns:a16="http://schemas.microsoft.com/office/drawing/2014/main" id="{EAD181CD-84EA-49E6-B8D3-8BD75B69268E}"/>
+              </a:ext>
+            </a:extLst>
+          </p:cNvPr>
+          <p:cNvSpPr>
+            <a:spLocks noGrp="1"/>
+          </p:cNvSpPr>
+          <p:nvPr>
+            <p:ph idx="1"/>
+          </p:nvPr>
+        </p:nvSpPr>
+        <p:spPr/>
+        <p:txBody>
+          <a:bodyPr/>
+          <a:lstStyle/>
+          <a:p>
+            <a:r>
+              <a:rPr lang="en-US" altLang="zh-TW" dirty="0">
+                <a:hlinkClick r:id="rId2"/>
+              </a:rPr>
+              <a:t>https://github.com/Forever-CodingNoob/vpython-gaussAccelerator</a:t>
+            </a:r>
+            <a:endParaRPr lang="zh-TW" altLang="en-US" dirty="0"/>
+          </a:p>
+        </p:txBody>
+      </p:sp>
+      <p:sp>
+        <p:nvSpPr>
+          <p:cNvPr id="2" name="標題 1">
+            <a:extLst>
+              <a:ext uri="{FF2B5EF4-FFF2-40B4-BE49-F238E27FC236}">
+                <a16:creationId xmlns:a16="http://schemas.microsoft.com/office/drawing/2014/main" id="{F3566321-9D54-4B61-A01D-FD70232FF891}"/>
+              </a:ext>
+            </a:extLst>
+          </p:cNvPr>
+          <p:cNvSpPr>
+            <a:spLocks noGrp="1"/>
+          </p:cNvSpPr>
+          <p:nvPr>
+            <p:ph type="title"/>
+          </p:nvPr>
+        </p:nvSpPr>
+        <p:spPr/>
+        <p:txBody>
+          <a:bodyPr/>
+          <a:lstStyle/>
+          <a:p>
+            <a:r>
+              <a:rPr lang="zh-TW" altLang="en-US" dirty="0"/>
+              <a:t>程式演示</a:t>
+            </a:r>
+          </a:p>
+        </p:txBody>
+      </p:sp>
+    </p:spTree>
+    <p:extLst>
+      <p:ext uri="{BB962C8B-B14F-4D97-AF65-F5344CB8AC3E}">
+        <p14:creationId xmlns:p14="http://schemas.microsoft.com/office/powerpoint/2010/main" val="4134414172"/>
+      </p:ext>
+    </p:extLst>
+  </p:cSld>
+  <p:clrMapOvr>
+    <a:masterClrMapping/>
+  </p:clrMapOvr>
+</p:sld>
+</file>
+
+<file path=ppt/slides/slide11.xml><?xml version="1.0" encoding="utf-8"?>
+<p:sld xmlns:a="http://schemas.openxmlformats.org/drawingml/2006/main" xmlns:r="http://schemas.openxmlformats.org/officeDocument/2006/relationships" xmlns:p="http://schemas.openxmlformats.org/presentationml/2006/main">
+  <p:cSld>
+    <p:spTree>
+      <p:nvGrpSpPr>
+        <p:cNvPr id="1" name=""/>
+        <p:cNvGrpSpPr/>
+        <p:nvPr/>
+      </p:nvGrpSpPr>
+      <p:grpSpPr>
+        <a:xfrm>
+          <a:off x="0" y="0"/>
+          <a:ext cx="0" cy="0"/>
+          <a:chOff x="0" y="0"/>
+          <a:chExt cx="0" cy="0"/>
+        </a:xfrm>
+      </p:grpSpPr>
+      <p:sp>
+        <p:nvSpPr>
           <p:cNvPr id="2" name="標題 1"/>
           <p:cNvSpPr>
             <a:spLocks noGrp="1"/>
@@ -3411,10 +3483,9 @@
           <a:p>
             <a:pPr algn="l"/>
             <a:r>
-              <a:rPr lang="zh-TW" altLang="en-US" dirty="0" smtClean="0"/>
+              <a:rPr lang="zh-TW" altLang="en-US" dirty="0"/>
               <a:t>資料來源</a:t>
             </a:r>
-            <a:endParaRPr lang="zh-TW" altLang="en-US" dirty="0"/>
           </a:p>
         </p:txBody>
       </p:sp>
@@ -3448,25 +3519,19 @@
               <a:rPr lang="en-US" altLang="zh-TW" sz="2000" dirty="0">
                 <a:hlinkClick r:id="rId2"/>
               </a:rPr>
-              <a:t>https://</a:t>
-            </a:r>
-            <a:r>
-              <a:rPr lang="en-US" altLang="zh-TW" sz="2000" dirty="0" smtClean="0">
-                <a:hlinkClick r:id="rId2"/>
-              </a:rPr>
-              <a:t>ys.ylib.com/upload/learnPDF/10-081L.pdf</a:t>
-            </a:r>
-            <a:endParaRPr lang="en-US" altLang="zh-TW" sz="2000" dirty="0" smtClean="0"/>
+              <a:t>https://ys.ylib.com/upload/learnPDF/10-081L.pdf</a:t>
+            </a:r>
+            <a:endParaRPr lang="en-US" altLang="zh-TW" sz="2000" dirty="0"/>
           </a:p>
           <a:p>
             <a:pPr marL="0" indent="0">
               <a:buNone/>
             </a:pPr>
             <a:r>
-              <a:rPr lang="zh-TW" altLang="en-US" sz="2800" dirty="0" smtClean="0"/>
+              <a:rPr lang="zh-TW" altLang="en-US" sz="2800" dirty="0"/>
               <a:t>科學少年雜誌雙用延伸資料</a:t>
             </a:r>
-            <a:endParaRPr lang="en-US" altLang="zh-TW" sz="2800" dirty="0" smtClean="0"/>
+            <a:endParaRPr lang="en-US" altLang="zh-TW" sz="2800" dirty="0"/>
           </a:p>
           <a:p>
             <a:r>
@@ -3475,7 +3540,7 @@
               </a:rPr>
               <a:t>https://www.youtube.com/watch?v=xTEhMdIl84A</a:t>
             </a:r>
-            <a:endParaRPr lang="en-US" altLang="zh-TW" sz="2000" dirty="0" smtClean="0"/>
+            <a:endParaRPr lang="en-US" altLang="zh-TW" sz="2000" dirty="0"/>
           </a:p>
           <a:p>
             <a:pPr marL="0" indent="0">
@@ -3536,13 +3601,6 @@
   <p:clrMapOvr>
     <a:masterClrMapping/>
   </p:clrMapOvr>
-  <p:timing>
-    <p:tnLst>
-      <p:par>
-        <p:cTn id="1" dur="indefinite" restart="never" nodeType="tmRoot"/>
-      </p:par>
-    </p:tnLst>
-  </p:timing>
 </p:sld>
 </file>
 
@@ -3580,10 +3638,9 @@
           <a:p>
             <a:pPr algn="l"/>
             <a:r>
-              <a:rPr lang="zh-TW" altLang="en-US" dirty="0" smtClean="0"/>
+              <a:rPr lang="zh-TW" altLang="en-US" dirty="0"/>
               <a:t>研究動機</a:t>
             </a:r>
-            <a:endParaRPr lang="zh-TW" altLang="en-US" dirty="0"/>
           </a:p>
         </p:txBody>
       </p:sp>
@@ -3603,62 +3660,49 @@
           <a:lstStyle/>
           <a:p>
             <a:r>
-              <a:rPr lang="zh-TW" altLang="en-US" dirty="0" smtClean="0"/>
+              <a:rPr lang="zh-TW" altLang="en-US" dirty="0"/>
               <a:t>磁鐵</a:t>
             </a:r>
             <a:r>
-              <a:rPr lang="en-US" altLang="zh-TW" dirty="0" smtClean="0"/>
+              <a:rPr lang="en-US" altLang="zh-TW" dirty="0"/>
               <a:t>+</a:t>
             </a:r>
             <a:r>
-              <a:rPr lang="zh-TW" altLang="en-US" dirty="0" smtClean="0"/>
+              <a:rPr lang="zh-TW" altLang="en-US" dirty="0"/>
               <a:t>鐵球</a:t>
             </a:r>
             <a:r>
-              <a:rPr lang="en-US" altLang="zh-TW" dirty="0" smtClean="0"/>
+              <a:rPr lang="en-US" altLang="zh-TW" dirty="0"/>
               <a:t>=</a:t>
             </a:r>
             <a:r>
-              <a:rPr lang="zh-TW" altLang="en-US" dirty="0" smtClean="0"/>
+              <a:rPr lang="zh-TW" altLang="en-US" dirty="0"/>
               <a:t>槍</a:t>
             </a:r>
             <a:r>
-              <a:rPr lang="en-US" altLang="zh-TW" dirty="0" smtClean="0"/>
+              <a:rPr lang="en-US" altLang="zh-TW" dirty="0"/>
               <a:t>?</a:t>
             </a:r>
           </a:p>
           <a:p>
             <a:r>
               <a:rPr lang="zh-TW" altLang="en-US" dirty="0"/>
-              <a:t>科展的熱門</a:t>
-            </a:r>
-            <a:r>
-              <a:rPr lang="zh-TW" altLang="en-US" dirty="0" smtClean="0"/>
-              <a:t>主題</a:t>
-            </a:r>
-            <a:endParaRPr lang="en-US" altLang="zh-TW" dirty="0" smtClean="0"/>
+              <a:t>科展的熱門主題</a:t>
+            </a:r>
+            <a:endParaRPr lang="en-US" altLang="zh-TW" dirty="0"/>
           </a:p>
           <a:p>
             <a:r>
               <a:rPr lang="zh-TW" altLang="en-US" dirty="0"/>
-              <a:t>初</a:t>
-            </a:r>
-            <a:r>
-              <a:rPr lang="zh-TW" altLang="en-US" dirty="0" smtClean="0"/>
-              <a:t>估做得出來</a:t>
-            </a:r>
-            <a:endParaRPr lang="en-US" altLang="zh-TW" dirty="0" smtClean="0"/>
+              <a:t>初估做得出來</a:t>
+            </a:r>
+            <a:endParaRPr lang="en-US" altLang="zh-TW" dirty="0"/>
           </a:p>
           <a:p>
             <a:r>
               <a:rPr lang="zh-TW" altLang="en-US" dirty="0"/>
-              <a:t>透過</a:t>
-            </a:r>
-            <a:r>
-              <a:rPr lang="zh-TW" altLang="en-US" dirty="0" smtClean="0"/>
-              <a:t>程式避免掉外在干擾</a:t>
-            </a:r>
-            <a:endParaRPr lang="zh-TW" altLang="en-US" dirty="0"/>
+              <a:t>透過程式避免掉外在干擾</a:t>
+            </a:r>
           </a:p>
         </p:txBody>
       </p:sp>
@@ -3851,7 +3895,7 @@
               <a:p>
                 <a:pPr algn="ctr"/>
                 <a:r>
-                  <a:rPr lang="en-US" altLang="zh-TW" sz="3600" dirty="0" smtClean="0">
+                  <a:rPr lang="en-US" altLang="zh-TW" sz="3600" dirty="0">
                     <a:latin typeface="微軟正黑體" pitchFamily="34" charset="-120"/>
                     <a:ea typeface="微軟正黑體" pitchFamily="34" charset="-120"/>
                   </a:rPr>
@@ -3992,13 +4036,6 @@
   <p:clrMapOvr>
     <a:masterClrMapping/>
   </p:clrMapOvr>
-  <p:timing>
-    <p:tnLst>
-      <p:par>
-        <p:cTn id="1" dur="indefinite" restart="never" nodeType="tmRoot"/>
-      </p:par>
-    </p:tnLst>
-  </p:timing>
 </p:sld>
 </file>
 
@@ -4036,10 +4073,9 @@
           <a:p>
             <a:pPr algn="l"/>
             <a:r>
-              <a:rPr lang="zh-TW" altLang="en-US" dirty="0" smtClean="0"/>
+              <a:rPr lang="zh-TW" altLang="en-US" dirty="0"/>
               <a:t>研究目標</a:t>
             </a:r>
-            <a:endParaRPr lang="zh-TW" altLang="en-US" dirty="0"/>
           </a:p>
         </p:txBody>
       </p:sp>
@@ -4064,47 +4100,39 @@
           <a:lstStyle/>
           <a:p>
             <a:r>
-              <a:rPr lang="zh-TW" altLang="en-US" dirty="0" smtClean="0"/>
+              <a:rPr lang="zh-TW" altLang="en-US" dirty="0"/>
               <a:t>為什麼磁鐵</a:t>
             </a:r>
             <a:r>
-              <a:rPr lang="en-US" altLang="zh-TW" dirty="0" smtClean="0"/>
+              <a:rPr lang="en-US" altLang="zh-TW" dirty="0"/>
               <a:t>+</a:t>
             </a:r>
             <a:r>
-              <a:rPr lang="zh-TW" altLang="en-US" dirty="0" smtClean="0"/>
+              <a:rPr lang="zh-TW" altLang="en-US" dirty="0"/>
               <a:t>鐵球能讓球像子彈般射出去</a:t>
             </a:r>
             <a:r>
-              <a:rPr lang="en-US" altLang="zh-TW" dirty="0" smtClean="0"/>
+              <a:rPr lang="en-US" altLang="zh-TW" dirty="0"/>
               <a:t>?</a:t>
             </a:r>
           </a:p>
           <a:p>
             <a:r>
-              <a:rPr lang="zh-TW" altLang="en-US" dirty="0" smtClean="0"/>
+              <a:rPr lang="zh-TW" altLang="en-US" dirty="0"/>
               <a:t>射出的球速是多快</a:t>
             </a:r>
             <a:r>
-              <a:rPr lang="en-US" altLang="zh-TW" dirty="0" smtClean="0"/>
+              <a:rPr lang="en-US" altLang="zh-TW" dirty="0"/>
               <a:t>?</a:t>
             </a:r>
           </a:p>
           <a:p>
             <a:r>
-              <a:rPr lang="zh-TW" altLang="en-US" dirty="0" smtClean="0"/>
-              <a:t>是不是</a:t>
-            </a:r>
-            <a:r>
               <a:rPr lang="zh-TW" altLang="en-US" dirty="0"/>
-              <a:t>加上幾組就能達到加倍的</a:t>
-            </a:r>
-            <a:r>
-              <a:rPr lang="zh-TW" altLang="en-US" dirty="0" smtClean="0"/>
-              <a:t>效果</a:t>
-            </a:r>
-            <a:r>
-              <a:rPr lang="en-US" altLang="zh-TW" dirty="0" smtClean="0"/>
+              <a:t>是不是加上幾組就能達到加倍的效果</a:t>
+            </a:r>
+            <a:r>
+              <a:rPr lang="en-US" altLang="zh-TW" dirty="0"/>
               <a:t>?</a:t>
             </a:r>
           </a:p>
@@ -4148,16 +4176,12 @@
           <a:p>
             <a:pPr algn="ctr"/>
             <a:r>
-              <a:rPr lang="zh-TW" altLang="en-US" sz="3600" b="1" dirty="0" smtClean="0">
+              <a:rPr lang="zh-TW" altLang="en-US" sz="3600" b="1" dirty="0">
                 <a:latin typeface="微軟正黑體" pitchFamily="34" charset="-120"/>
                 <a:ea typeface="微軟正黑體" pitchFamily="34" charset="-120"/>
               </a:rPr>
               <a:t>出</a:t>
             </a:r>
-            <a:endParaRPr lang="zh-TW" altLang="en-US" sz="3600" b="1" dirty="0">
-              <a:latin typeface="微軟正黑體" pitchFamily="34" charset="-120"/>
-              <a:ea typeface="微軟正黑體" pitchFamily="34" charset="-120"/>
-            </a:endParaRPr>
           </a:p>
         </p:txBody>
       </p:sp>
@@ -4288,7 +4312,7 @@
           <a:p>
             <a:pPr algn="ctr"/>
             <a:r>
-              <a:rPr lang="en-US" altLang="zh-TW" sz="6600" dirty="0" smtClean="0"/>
+              <a:rPr lang="en-US" altLang="zh-TW" sz="6600" dirty="0"/>
               <a:t>S</a:t>
             </a:r>
             <a:endParaRPr lang="zh-TW" altLang="en-US" sz="6600" dirty="0"/>
@@ -4342,7 +4366,7 @@
           <a:p>
             <a:pPr algn="ctr"/>
             <a:r>
-              <a:rPr lang="en-US" altLang="zh-TW" sz="6000" dirty="0" smtClean="0"/>
+              <a:rPr lang="en-US" altLang="zh-TW" sz="6000" dirty="0"/>
               <a:t>N</a:t>
             </a:r>
             <a:endParaRPr lang="zh-TW" altLang="en-US" sz="6000" dirty="0"/>
@@ -4435,17 +4459,7 @@
                 <a:latin typeface="Brush Script MT" pitchFamily="66" charset="0"/>
                 <a:ea typeface="微軟正黑體" pitchFamily="34" charset="-120"/>
               </a:rPr>
-              <a:t>V</a:t>
-            </a:r>
-            <a:r>
-              <a:rPr lang="en-US" altLang="zh-TW" sz="4800" dirty="0" smtClean="0">
-                <a:solidFill>
-                  <a:srgbClr val="FF0000"/>
-                </a:solidFill>
-                <a:latin typeface="Brush Script MT" pitchFamily="66" charset="0"/>
-                <a:ea typeface="微軟正黑體" pitchFamily="34" charset="-120"/>
-              </a:rPr>
-              <a:t>=?</a:t>
+              <a:t>V=?</a:t>
             </a:r>
             <a:endParaRPr lang="zh-TW" altLang="en-US" sz="4800" dirty="0">
               <a:solidFill>
@@ -4504,13 +4518,6 @@
   <p:clrMapOvr>
     <a:masterClrMapping/>
   </p:clrMapOvr>
-  <p:timing>
-    <p:tnLst>
-      <p:par>
-        <p:cTn id="1" dur="indefinite" restart="never" nodeType="tmRoot"/>
-      </p:par>
-    </p:tnLst>
-  </p:timing>
 </p:sld>
 </file>
 
@@ -4548,10 +4555,9 @@
           <a:p>
             <a:pPr algn="l"/>
             <a:r>
-              <a:rPr lang="zh-TW" altLang="en-US" dirty="0" smtClean="0"/>
+              <a:rPr lang="zh-TW" altLang="en-US" dirty="0"/>
               <a:t>物理概念</a:t>
             </a:r>
-            <a:endParaRPr lang="zh-TW" altLang="en-US" dirty="0"/>
           </a:p>
         </p:txBody>
       </p:sp>
@@ -4571,31 +4577,31 @@
           <a:lstStyle/>
           <a:p>
             <a:r>
-              <a:rPr lang="zh-TW" altLang="en-US" dirty="0" smtClean="0"/>
+              <a:rPr lang="zh-TW" altLang="en-US" dirty="0"/>
               <a:t>牛頓擺</a:t>
             </a:r>
-            <a:endParaRPr lang="en-US" altLang="zh-TW" dirty="0" smtClean="0"/>
-          </a:p>
-          <a:p>
-            <a:r>
-              <a:rPr lang="zh-TW" altLang="en-US" dirty="0" smtClean="0"/>
+            <a:endParaRPr lang="en-US" altLang="zh-TW" dirty="0"/>
+          </a:p>
+          <a:p>
+            <a:r>
+              <a:rPr lang="zh-TW" altLang="en-US" dirty="0"/>
               <a:t>碰撞</a:t>
             </a:r>
-            <a:endParaRPr lang="en-US" altLang="zh-TW" dirty="0" smtClean="0"/>
-          </a:p>
-          <a:p>
-            <a:r>
-              <a:rPr lang="zh-TW" altLang="en-US" dirty="0" smtClean="0"/>
+            <a:endParaRPr lang="en-US" altLang="zh-TW" dirty="0"/>
+          </a:p>
+          <a:p>
+            <a:r>
+              <a:rPr lang="zh-TW" altLang="en-US" dirty="0"/>
               <a:t>磁力</a:t>
             </a:r>
-            <a:endParaRPr lang="en-US" altLang="zh-TW" dirty="0" smtClean="0"/>
+            <a:endParaRPr lang="en-US" altLang="zh-TW" dirty="0"/>
           </a:p>
           <a:p>
             <a:r>
               <a:rPr lang="zh-TW" altLang="en-US" dirty="0"/>
               <a:t>動量守恆</a:t>
             </a:r>
-            <a:endParaRPr lang="en-US" altLang="zh-TW" dirty="0" smtClean="0"/>
+            <a:endParaRPr lang="en-US" altLang="zh-TW" dirty="0"/>
           </a:p>
           <a:p>
             <a:endParaRPr lang="zh-TW" altLang="en-US" dirty="0"/>
@@ -4674,13 +4680,6 @@
   <p:clrMapOvr>
     <a:masterClrMapping/>
   </p:clrMapOvr>
-  <p:timing>
-    <p:tnLst>
-      <p:par>
-        <p:cTn id="1" dur="indefinite" restart="never" nodeType="tmRoot"/>
-      </p:par>
-    </p:tnLst>
-  </p:timing>
 </p:sld>
 </file>
 
@@ -4718,10 +4717,9 @@
           <a:p>
             <a:pPr algn="l"/>
             <a:r>
-              <a:rPr lang="zh-TW" altLang="en-US" dirty="0" smtClean="0"/>
+              <a:rPr lang="zh-TW" altLang="en-US" dirty="0"/>
               <a:t>程式模擬優點</a:t>
             </a:r>
-            <a:endParaRPr lang="zh-TW" altLang="en-US" dirty="0"/>
           </a:p>
         </p:txBody>
       </p:sp>
@@ -4741,51 +4739,50 @@
           <a:lstStyle/>
           <a:p>
             <a:r>
-              <a:rPr lang="zh-TW" altLang="en-US" dirty="0" smtClean="0"/>
+              <a:rPr lang="zh-TW" altLang="en-US" dirty="0"/>
               <a:t>排除</a:t>
             </a:r>
             <a:r>
-              <a:rPr lang="zh-TW" altLang="en-US" u="sng" dirty="0" smtClean="0"/>
+              <a:rPr lang="zh-TW" altLang="en-US" u="sng" dirty="0"/>
               <a:t>空氣阻力</a:t>
             </a:r>
             <a:r>
-              <a:rPr lang="zh-TW" altLang="en-US" dirty="0" smtClean="0"/>
+              <a:rPr lang="zh-TW" altLang="en-US" dirty="0"/>
               <a:t>及</a:t>
             </a:r>
             <a:r>
-              <a:rPr lang="zh-TW" altLang="en-US" u="sng" dirty="0" smtClean="0"/>
+              <a:rPr lang="zh-TW" altLang="en-US" u="sng" dirty="0"/>
               <a:t>摩擦力</a:t>
             </a:r>
             <a:r>
-              <a:rPr lang="zh-TW" altLang="en-US" dirty="0" smtClean="0"/>
+              <a:rPr lang="zh-TW" altLang="en-US" dirty="0"/>
               <a:t>等外在影響</a:t>
             </a:r>
-            <a:endParaRPr lang="en-US" altLang="zh-TW" dirty="0" smtClean="0"/>
-          </a:p>
-          <a:p>
-            <a:r>
-              <a:rPr lang="zh-TW" altLang="en-US" dirty="0" smtClean="0"/>
+            <a:endParaRPr lang="en-US" altLang="zh-TW" dirty="0"/>
+          </a:p>
+          <a:p>
+            <a:r>
+              <a:rPr lang="zh-TW" altLang="en-US" dirty="0"/>
               <a:t>數顆鐵球可保持一致</a:t>
             </a:r>
             <a:r>
-              <a:rPr lang="en-US" altLang="zh-TW" dirty="0" smtClean="0"/>
+              <a:rPr lang="en-US" altLang="zh-TW" dirty="0"/>
               <a:t>(</a:t>
             </a:r>
             <a:r>
-              <a:rPr lang="zh-TW" altLang="en-US" dirty="0" smtClean="0"/>
+              <a:rPr lang="zh-TW" altLang="en-US" dirty="0"/>
               <a:t>重量、硬度、大小</a:t>
             </a:r>
             <a:r>
-              <a:rPr lang="en-US" altLang="zh-TW" dirty="0" smtClean="0"/>
+              <a:rPr lang="en-US" altLang="zh-TW" dirty="0"/>
               <a:t>…)</a:t>
             </a:r>
           </a:p>
           <a:p>
             <a:r>
-              <a:rPr lang="zh-TW" altLang="en-US" dirty="0" smtClean="0"/>
+              <a:rPr lang="zh-TW" altLang="en-US" dirty="0"/>
               <a:t>速度測量較實際儀器測量更為精準</a:t>
             </a:r>
-            <a:endParaRPr lang="zh-TW" altLang="en-US" dirty="0"/>
           </a:p>
         </p:txBody>
       </p:sp>
@@ -4974,13 +4971,6 @@
   <p:clrMapOvr>
     <a:masterClrMapping/>
   </p:clrMapOvr>
-  <p:timing>
-    <p:tnLst>
-      <p:par>
-        <p:cTn id="1" dur="indefinite" restart="never" nodeType="tmRoot"/>
-      </p:par>
-    </p:tnLst>
-  </p:timing>
 </p:sld>
 </file>
 
@@ -5018,10 +5008,9 @@
           <a:p>
             <a:pPr algn="l"/>
             <a:r>
-              <a:rPr lang="zh-TW" altLang="en-US" dirty="0" smtClean="0"/>
+              <a:rPr lang="zh-TW" altLang="en-US" dirty="0"/>
               <a:t>實驗設計</a:t>
             </a:r>
-            <a:endParaRPr lang="zh-TW" altLang="en-US" dirty="0"/>
           </a:p>
         </p:txBody>
       </p:sp>
@@ -5453,13 +5442,6 @@
   <p:clrMapOvr>
     <a:masterClrMapping/>
   </p:clrMapOvr>
-  <p:timing>
-    <p:tnLst>
-      <p:par>
-        <p:cTn id="1" dur="indefinite" restart="never" nodeType="tmRoot"/>
-      </p:par>
-    </p:tnLst>
-  </p:timing>
 </p:sld>
 </file>
 
@@ -5497,10 +5479,9 @@
           <a:p>
             <a:pPr algn="l"/>
             <a:r>
-              <a:rPr lang="zh-TW" altLang="en-US" dirty="0" smtClean="0"/>
+              <a:rPr lang="zh-TW" altLang="en-US" dirty="0"/>
               <a:t>實驗設計</a:t>
             </a:r>
-            <a:endParaRPr lang="zh-TW" altLang="en-US" dirty="0"/>
           </a:p>
         </p:txBody>
       </p:sp>
@@ -5523,22 +5504,21 @@
               <a:buNone/>
             </a:pPr>
             <a:r>
-              <a:rPr lang="en-US" altLang="zh-TW" dirty="0" smtClean="0"/>
+              <a:rPr lang="en-US" altLang="zh-TW" dirty="0"/>
               <a:t>1.</a:t>
             </a:r>
             <a:r>
-              <a:rPr lang="zh-TW" altLang="en-US" dirty="0" smtClean="0"/>
+              <a:rPr lang="zh-TW" altLang="en-US" dirty="0"/>
               <a:t>將一厚度均勻之</a:t>
             </a:r>
             <a:r>
-              <a:rPr lang="en-US" altLang="zh-TW" dirty="0" smtClean="0"/>
+              <a:rPr lang="en-US" altLang="zh-TW" dirty="0"/>
               <a:t>L</a:t>
             </a:r>
             <a:r>
-              <a:rPr lang="zh-TW" altLang="en-US" dirty="0" smtClean="0"/>
+              <a:rPr lang="zh-TW" altLang="en-US" dirty="0"/>
               <a:t>型資料夾分割為數小片</a:t>
             </a:r>
-            <a:endParaRPr lang="zh-TW" altLang="en-US" dirty="0"/>
           </a:p>
         </p:txBody>
       </p:sp>
@@ -5900,13 +5880,6 @@
   <p:clrMapOvr>
     <a:masterClrMapping/>
   </p:clrMapOvr>
-  <p:timing>
-    <p:tnLst>
-      <p:par>
-        <p:cTn id="1" dur="indefinite" restart="never" nodeType="tmRoot"/>
-      </p:par>
-    </p:tnLst>
-  </p:timing>
 </p:sld>
 </file>
 
@@ -5944,10 +5917,9 @@
           <a:p>
             <a:pPr algn="l"/>
             <a:r>
-              <a:rPr lang="zh-TW" altLang="en-US" dirty="0" smtClean="0"/>
+              <a:rPr lang="zh-TW" altLang="en-US" dirty="0"/>
               <a:t>實驗設計</a:t>
             </a:r>
-            <a:endParaRPr lang="zh-TW" altLang="en-US" dirty="0"/>
           </a:p>
         </p:txBody>
       </p:sp>
@@ -5970,28 +5942,16 @@
               <a:buNone/>
             </a:pPr>
             <a:r>
-              <a:rPr lang="en-US" altLang="zh-TW" dirty="0" smtClean="0"/>
+              <a:rPr lang="en-US" altLang="zh-TW" dirty="0"/>
               <a:t>2.</a:t>
             </a:r>
             <a:r>
-              <a:rPr lang="zh-TW" altLang="en-US" dirty="0" smtClean="0"/>
-              <a:t> 以游標尺</a:t>
-            </a:r>
-            <a:r>
-              <a:rPr lang="zh-TW" altLang="en-US" dirty="0" smtClean="0"/>
-              <a:t>，</a:t>
-            </a:r>
-            <a:r>
               <a:rPr lang="zh-TW" altLang="en-US" dirty="0"/>
-              <a:t>將十個小片疊</a:t>
+              <a:t> 以游標尺，將十個小片疊</a:t>
             </a:r>
             <a:r>
               <a:rPr lang="zh-TW" altLang="en-US"/>
-              <a:t>在</a:t>
-            </a:r>
-            <a:r>
-              <a:rPr lang="zh-TW" altLang="en-US" smtClean="0"/>
-              <a:t>一起測厚度</a:t>
+              <a:t>在一起測厚度</a:t>
             </a:r>
             <a:endParaRPr lang="zh-TW" altLang="en-US" dirty="0"/>
           </a:p>
@@ -6071,13 +6031,6 @@
   <p:clrMapOvr>
     <a:masterClrMapping/>
   </p:clrMapOvr>
-  <p:timing>
-    <p:tnLst>
-      <p:par>
-        <p:cTn id="1" dur="indefinite" restart="never" nodeType="tmRoot"/>
-      </p:par>
-    </p:tnLst>
-  </p:timing>
 </p:sld>
 </file>
 
@@ -6115,10 +6068,9 @@
           <a:p>
             <a:pPr algn="l"/>
             <a:r>
-              <a:rPr lang="zh-TW" altLang="en-US" dirty="0" smtClean="0"/>
+              <a:rPr lang="zh-TW" altLang="en-US" dirty="0"/>
               <a:t>實驗設計</a:t>
             </a:r>
-            <a:endParaRPr lang="zh-TW" altLang="en-US" dirty="0"/>
           </a:p>
         </p:txBody>
       </p:sp>
@@ -6132,23 +6084,12 @@
             <p:ph idx="1"/>
           </p:nvPr>
         </p:nvSpPr>
-        <p:spPr>
-          <a:xfrm>
-            <a:off x="457200" y="1600200"/>
-            <a:ext cx="8229600" cy="4637112"/>
-          </a:xfrm>
-        </p:spPr>
+        <p:spPr/>
         <p:txBody>
           <a:bodyPr>
-            <a:normAutofit fontScale="85000" lnSpcReduction="10000"/>
+            <a:normAutofit fontScale="85000" lnSpcReduction="20000"/>
           </a:bodyPr>
           <a:lstStyle/>
-          <a:p>
-            <a:pPr marL="0" indent="0">
-              <a:buNone/>
-            </a:pPr>
-            <a:endParaRPr lang="en-US" altLang="zh-TW" dirty="0" smtClean="0"/>
-          </a:p>
           <a:p>
             <a:pPr marL="0" indent="0">
               <a:buNone/>
@@ -6159,7 +6100,7 @@
             <a:pPr marL="0" indent="0">
               <a:buNone/>
             </a:pPr>
-            <a:endParaRPr lang="en-US" altLang="zh-TW" dirty="0" smtClean="0"/>
+            <a:endParaRPr lang="en-US" altLang="zh-TW" dirty="0"/>
           </a:p>
           <a:p>
             <a:pPr marL="0" indent="0">
@@ -6171,7 +6112,7 @@
             <a:pPr marL="0" indent="0">
               <a:buNone/>
             </a:pPr>
-            <a:endParaRPr lang="en-US" altLang="zh-TW" dirty="0" smtClean="0"/>
+            <a:endParaRPr lang="en-US" altLang="zh-TW" dirty="0"/>
           </a:p>
           <a:p>
             <a:pPr marL="0" indent="0">
@@ -6183,19 +6124,13 @@
             <a:pPr marL="0" indent="0">
               <a:buNone/>
             </a:pPr>
-            <a:endParaRPr lang="en-US" altLang="zh-TW" dirty="0" smtClean="0"/>
-          </a:p>
-          <a:p>
-            <a:pPr marL="0" indent="0" algn="ctr">
+            <a:endParaRPr lang="en-US" altLang="zh-TW" dirty="0"/>
+          </a:p>
+          <a:p>
+            <a:pPr marL="0" indent="0">
               <a:buNone/>
             </a:pPr>
-            <a:endParaRPr lang="en-US" altLang="zh-TW" sz="2000" dirty="0" smtClean="0"/>
-          </a:p>
-          <a:p>
-            <a:pPr marL="0" indent="0" algn="ctr">
-              <a:buNone/>
-            </a:pPr>
-            <a:endParaRPr lang="en-US" altLang="zh-TW" sz="2000" dirty="0" smtClean="0"/>
+            <a:endParaRPr lang="en-US" altLang="zh-TW" dirty="0"/>
           </a:p>
           <a:p>
             <a:pPr marL="0" indent="0" algn="ctr">
@@ -6207,26 +6142,38 @@
             <a:pPr marL="0" indent="0" algn="ctr">
               <a:buNone/>
             </a:pPr>
-            <a:endParaRPr lang="en-US" altLang="zh-TW" sz="2000" dirty="0" smtClean="0"/>
+            <a:endParaRPr lang="en-US" altLang="zh-TW" sz="2000" dirty="0"/>
           </a:p>
           <a:p>
             <a:pPr marL="0" indent="0" algn="ctr">
               <a:buNone/>
             </a:pPr>
-            <a:r>
-              <a:rPr lang="zh-TW" altLang="en-US" sz="2000" dirty="0" smtClean="0"/>
+            <a:endParaRPr lang="en-US" altLang="zh-TW" sz="2000" dirty="0"/>
+          </a:p>
+          <a:p>
+            <a:pPr marL="0" indent="0" algn="ctr">
+              <a:buNone/>
+            </a:pPr>
+            <a:endParaRPr lang="en-US" altLang="zh-TW" sz="2000" dirty="0"/>
+          </a:p>
+          <a:p>
+            <a:pPr marL="0" indent="0" algn="ctr">
+              <a:buNone/>
+            </a:pPr>
+            <a:r>
+              <a:rPr lang="zh-TW" altLang="en-US" sz="2000" dirty="0"/>
               <a:t>表</a:t>
             </a:r>
             <a:r>
-              <a:rPr lang="en-US" altLang="zh-TW" sz="2000" dirty="0" smtClean="0"/>
+              <a:rPr lang="en-US" altLang="zh-TW" sz="2000" dirty="0"/>
               <a:t>(</a:t>
             </a:r>
             <a:r>
-              <a:rPr lang="zh-TW" altLang="en-US" sz="2000" dirty="0" smtClean="0"/>
+              <a:rPr lang="zh-TW" altLang="en-US" sz="2000" dirty="0"/>
               <a:t>一</a:t>
             </a:r>
             <a:r>
-              <a:rPr lang="en-US" altLang="zh-TW" sz="2000" dirty="0" smtClean="0"/>
+              <a:rPr lang="en-US" altLang="zh-TW" sz="2000" dirty="0"/>
               <a:t>)</a:t>
             </a:r>
             <a:endParaRPr lang="zh-TW" altLang="en-US" sz="2000" dirty="0"/>
@@ -6284,13 +6231,6 @@
   <p:clrMapOvr>
     <a:masterClrMapping/>
   </p:clrMapOvr>
-  <p:timing>
-    <p:tnLst>
-      <p:par>
-        <p:cTn id="1" dur="indefinite" restart="never" nodeType="tmRoot"/>
-      </p:par>
-    </p:tnLst>
-  </p:timing>
 </p:sld>
 </file>
 
